--- a/sitemap.pptx
+++ b/sitemap.pptx
@@ -3679,8 +3679,8 @@
         </p:nvCxnSpPr>
         <p:spPr>
           <a:xfrm flipH="1">
-            <a:off x="6682197" y="4655183"/>
-            <a:ext cx="233940" cy="1837418"/>
+            <a:off x="6682197" y="4645166"/>
+            <a:ext cx="921860" cy="1847435"/>
           </a:xfrm>
           <a:prstGeom prst="straightConnector1">
             <a:avLst/>
@@ -3712,7 +3712,7 @@
         </p:nvSpPr>
         <p:spPr>
           <a:xfrm>
-            <a:off x="6455681" y="3824186"/>
+            <a:off x="6734381" y="3814654"/>
             <a:ext cx="2952676" cy="830997"/>
           </a:xfrm>
           <a:prstGeom prst="rect">
@@ -3726,19 +3726,23 @@
           </a:bodyPr>
           <a:lstStyle/>
           <a:p>
+            <a:r>
+              <a:rPr lang="en-US" altLang="ko-KR" sz="1600" smtClean="0">
+                <a:solidFill>
+                  <a:schemeClr val="bg1"/>
+                </a:solidFill>
+              </a:rPr>
+              <a:t>How the </a:t>
+            </a:r>
             <a:r>
               <a:rPr lang="en-US" altLang="ko-KR" sz="1600" dirty="0" smtClean="0">
                 <a:solidFill>
                   <a:schemeClr val="bg1"/>
                 </a:solidFill>
               </a:rPr>
-              <a:t>How remote working technologies “locked-in” to infrastructures</a:t>
-            </a:r>
-            <a:endParaRPr lang="ko-KR" altLang="en-US" sz="1600" dirty="0">
-              <a:solidFill>
-                <a:schemeClr val="bg1"/>
-              </a:solidFill>
-            </a:endParaRPr>
+              <a:t>relevant social groups shaped remote working technologies</a:t>
+            </a:r>
+            <a:endParaRPr lang="ko-KR" altLang="en-US" sz="1600" dirty="0"/>
           </a:p>
         </p:txBody>
       </p:sp>
@@ -3750,8 +3754,8 @@
         </p:nvSpPr>
         <p:spPr>
           <a:xfrm>
-            <a:off x="9219360" y="2020330"/>
-            <a:ext cx="2284316" cy="1077218"/>
+            <a:off x="9287903" y="2282374"/>
+            <a:ext cx="2284316" cy="830997"/>
           </a:xfrm>
           <a:prstGeom prst="rect">
             <a:avLst/>
@@ -3769,7 +3773,23 @@
                   <a:schemeClr val="bg1"/>
                 </a:solidFill>
               </a:rPr>
-              <a:t>How their relevant social groups shaped remote working technologies</a:t>
+              <a:t>The </a:t>
+            </a:r>
+            <a:r>
+              <a:rPr lang="en-US" altLang="ko-KR" sz="1600" dirty="0">
+                <a:solidFill>
+                  <a:schemeClr val="bg1"/>
+                </a:solidFill>
+              </a:rPr>
+              <a:t>d</a:t>
+            </a:r>
+            <a:r>
+              <a:rPr lang="en-US" altLang="ko-KR" sz="1600" dirty="0" smtClean="0">
+                <a:solidFill>
+                  <a:schemeClr val="bg1"/>
+                </a:solidFill>
+              </a:rPr>
+              <a:t>igital divide of remote working technologies</a:t>
             </a:r>
             <a:endParaRPr lang="ko-KR" altLang="en-US" sz="1600" dirty="0"/>
           </a:p>

--- a/sitemap.pptx
+++ b/sitemap.pptx
@@ -104,6 +104,11 @@
       </a:defRPr>
     </a:lvl9pPr>
   </p:defaultTextStyle>
+  <p:extLst>
+    <p:ext uri="{EFAFB233-063F-42B5-8137-9DF3F51BA10A}">
+      <p15:sldGuideLst xmlns:p15="http://schemas.microsoft.com/office/powerpoint/2012/main"/>
+    </p:ext>
+  </p:extLst>
 </p:presentation>
 </file>
 
@@ -149,10 +154,9 @@
           </a:lstStyle>
           <a:p>
             <a:r>
-              <a:rPr lang="ko-KR" altLang="en-US" smtClean="0"/>
+              <a:rPr lang="ko-KR" altLang="en-US"/>
               <a:t>마스터 제목 스타일 편집</a:t>
             </a:r>
-            <a:endParaRPr lang="ko-KR" altLang="en-US"/>
           </a:p>
         </p:txBody>
       </p:sp>
@@ -214,10 +218,9 @@
           </a:lstStyle>
           <a:p>
             <a:r>
-              <a:rPr lang="ko-KR" altLang="en-US" smtClean="0"/>
+              <a:rPr lang="ko-KR" altLang="en-US"/>
               <a:t>클릭하여 마스터 부제목 스타일 편집</a:t>
             </a:r>
-            <a:endParaRPr lang="ko-KR" altLang="en-US"/>
           </a:p>
         </p:txBody>
       </p:sp>
@@ -238,7 +241,7 @@
           <a:p>
             <a:fld id="{A6E12817-7D15-49C3-A504-0A6BEDC86AFE}" type="datetimeFigureOut">
               <a:rPr lang="ko-KR" altLang="en-US" smtClean="0"/>
-              <a:t>2022-05-03</a:t>
+              <a:t>2022. 5. 3.</a:t>
             </a:fld>
             <a:endParaRPr lang="ko-KR" altLang="en-US"/>
           </a:p>
@@ -332,10 +335,9 @@
           <a:lstStyle/>
           <a:p>
             <a:r>
-              <a:rPr lang="ko-KR" altLang="en-US" smtClean="0"/>
+              <a:rPr lang="ko-KR" altLang="en-US"/>
               <a:t>마스터 제목 스타일 편집</a:t>
             </a:r>
-            <a:endParaRPr lang="ko-KR" altLang="en-US"/>
           </a:p>
         </p:txBody>
       </p:sp>
@@ -356,38 +358,37 @@
           <a:p>
             <a:pPr lvl="0"/>
             <a:r>
-              <a:rPr lang="ko-KR" altLang="en-US" smtClean="0"/>
+              <a:rPr lang="ko-KR" altLang="en-US"/>
               <a:t>마스터 텍스트 스타일 편집</a:t>
             </a:r>
           </a:p>
           <a:p>
             <a:pPr lvl="1"/>
             <a:r>
-              <a:rPr lang="ko-KR" altLang="en-US" smtClean="0"/>
+              <a:rPr lang="ko-KR" altLang="en-US"/>
               <a:t>둘째 수준</a:t>
             </a:r>
           </a:p>
           <a:p>
             <a:pPr lvl="2"/>
             <a:r>
-              <a:rPr lang="ko-KR" altLang="en-US" smtClean="0"/>
+              <a:rPr lang="ko-KR" altLang="en-US"/>
               <a:t>셋째 수준</a:t>
             </a:r>
           </a:p>
           <a:p>
             <a:pPr lvl="3"/>
             <a:r>
-              <a:rPr lang="ko-KR" altLang="en-US" smtClean="0"/>
+              <a:rPr lang="ko-KR" altLang="en-US"/>
               <a:t>넷째 수준</a:t>
             </a:r>
           </a:p>
           <a:p>
             <a:pPr lvl="4"/>
             <a:r>
-              <a:rPr lang="ko-KR" altLang="en-US" smtClean="0"/>
+              <a:rPr lang="ko-KR" altLang="en-US"/>
               <a:t>다섯째 수준</a:t>
             </a:r>
-            <a:endParaRPr lang="ko-KR" altLang="en-US"/>
           </a:p>
         </p:txBody>
       </p:sp>
@@ -408,7 +409,7 @@
           <a:p>
             <a:fld id="{A6E12817-7D15-49C3-A504-0A6BEDC86AFE}" type="datetimeFigureOut">
               <a:rPr lang="ko-KR" altLang="en-US" smtClean="0"/>
-              <a:t>2022-05-03</a:t>
+              <a:t>2022. 5. 3.</a:t>
             </a:fld>
             <a:endParaRPr lang="ko-KR" altLang="en-US"/>
           </a:p>
@@ -507,10 +508,9 @@
           <a:lstStyle/>
           <a:p>
             <a:r>
-              <a:rPr lang="ko-KR" altLang="en-US" smtClean="0"/>
+              <a:rPr lang="ko-KR" altLang="en-US"/>
               <a:t>마스터 제목 스타일 편집</a:t>
             </a:r>
-            <a:endParaRPr lang="ko-KR" altLang="en-US"/>
           </a:p>
         </p:txBody>
       </p:sp>
@@ -536,38 +536,37 @@
           <a:p>
             <a:pPr lvl="0"/>
             <a:r>
-              <a:rPr lang="ko-KR" altLang="en-US" smtClean="0"/>
+              <a:rPr lang="ko-KR" altLang="en-US"/>
               <a:t>마스터 텍스트 스타일 편집</a:t>
             </a:r>
           </a:p>
           <a:p>
             <a:pPr lvl="1"/>
             <a:r>
-              <a:rPr lang="ko-KR" altLang="en-US" smtClean="0"/>
+              <a:rPr lang="ko-KR" altLang="en-US"/>
               <a:t>둘째 수준</a:t>
             </a:r>
           </a:p>
           <a:p>
             <a:pPr lvl="2"/>
             <a:r>
-              <a:rPr lang="ko-KR" altLang="en-US" smtClean="0"/>
+              <a:rPr lang="ko-KR" altLang="en-US"/>
               <a:t>셋째 수준</a:t>
             </a:r>
           </a:p>
           <a:p>
             <a:pPr lvl="3"/>
             <a:r>
-              <a:rPr lang="ko-KR" altLang="en-US" smtClean="0"/>
+              <a:rPr lang="ko-KR" altLang="en-US"/>
               <a:t>넷째 수준</a:t>
             </a:r>
           </a:p>
           <a:p>
             <a:pPr lvl="4"/>
             <a:r>
-              <a:rPr lang="ko-KR" altLang="en-US" smtClean="0"/>
+              <a:rPr lang="ko-KR" altLang="en-US"/>
               <a:t>다섯째 수준</a:t>
             </a:r>
-            <a:endParaRPr lang="ko-KR" altLang="en-US"/>
           </a:p>
         </p:txBody>
       </p:sp>
@@ -588,7 +587,7 @@
           <a:p>
             <a:fld id="{A6E12817-7D15-49C3-A504-0A6BEDC86AFE}" type="datetimeFigureOut">
               <a:rPr lang="ko-KR" altLang="en-US" smtClean="0"/>
-              <a:t>2022-05-03</a:t>
+              <a:t>2022. 5. 3.</a:t>
             </a:fld>
             <a:endParaRPr lang="ko-KR" altLang="en-US"/>
           </a:p>
@@ -682,10 +681,9 @@
           <a:lstStyle/>
           <a:p>
             <a:r>
-              <a:rPr lang="ko-KR" altLang="en-US" smtClean="0"/>
+              <a:rPr lang="ko-KR" altLang="en-US"/>
               <a:t>마스터 제목 스타일 편집</a:t>
             </a:r>
-            <a:endParaRPr lang="ko-KR" altLang="en-US"/>
           </a:p>
         </p:txBody>
       </p:sp>
@@ -706,38 +704,37 @@
           <a:p>
             <a:pPr lvl="0"/>
             <a:r>
-              <a:rPr lang="ko-KR" altLang="en-US" smtClean="0"/>
+              <a:rPr lang="ko-KR" altLang="en-US"/>
               <a:t>마스터 텍스트 스타일 편집</a:t>
             </a:r>
           </a:p>
           <a:p>
             <a:pPr lvl="1"/>
             <a:r>
-              <a:rPr lang="ko-KR" altLang="en-US" smtClean="0"/>
+              <a:rPr lang="ko-KR" altLang="en-US"/>
               <a:t>둘째 수준</a:t>
             </a:r>
           </a:p>
           <a:p>
             <a:pPr lvl="2"/>
             <a:r>
-              <a:rPr lang="ko-KR" altLang="en-US" smtClean="0"/>
+              <a:rPr lang="ko-KR" altLang="en-US"/>
               <a:t>셋째 수준</a:t>
             </a:r>
           </a:p>
           <a:p>
             <a:pPr lvl="3"/>
             <a:r>
-              <a:rPr lang="ko-KR" altLang="en-US" smtClean="0"/>
+              <a:rPr lang="ko-KR" altLang="en-US"/>
               <a:t>넷째 수준</a:t>
             </a:r>
           </a:p>
           <a:p>
             <a:pPr lvl="4"/>
             <a:r>
-              <a:rPr lang="ko-KR" altLang="en-US" smtClean="0"/>
+              <a:rPr lang="ko-KR" altLang="en-US"/>
               <a:t>다섯째 수준</a:t>
             </a:r>
-            <a:endParaRPr lang="ko-KR" altLang="en-US"/>
           </a:p>
         </p:txBody>
       </p:sp>
@@ -758,7 +755,7 @@
           <a:p>
             <a:fld id="{A6E12817-7D15-49C3-A504-0A6BEDC86AFE}" type="datetimeFigureOut">
               <a:rPr lang="ko-KR" altLang="en-US" smtClean="0"/>
-              <a:t>2022-05-03</a:t>
+              <a:t>2022. 5. 3.</a:t>
             </a:fld>
             <a:endParaRPr lang="ko-KR" altLang="en-US"/>
           </a:p>
@@ -861,10 +858,9 @@
           </a:lstStyle>
           <a:p>
             <a:r>
-              <a:rPr lang="ko-KR" altLang="en-US" smtClean="0"/>
+              <a:rPr lang="ko-KR" altLang="en-US"/>
               <a:t>마스터 제목 스타일 편집</a:t>
             </a:r>
-            <a:endParaRPr lang="ko-KR" altLang="en-US"/>
           </a:p>
         </p:txBody>
       </p:sp>
@@ -981,7 +977,7 @@
           <a:p>
             <a:pPr lvl="0"/>
             <a:r>
-              <a:rPr lang="ko-KR" altLang="en-US" smtClean="0"/>
+              <a:rPr lang="ko-KR" altLang="en-US"/>
               <a:t>마스터 텍스트 스타일 편집</a:t>
             </a:r>
           </a:p>
@@ -1004,7 +1000,7 @@
           <a:p>
             <a:fld id="{A6E12817-7D15-49C3-A504-0A6BEDC86AFE}" type="datetimeFigureOut">
               <a:rPr lang="ko-KR" altLang="en-US" smtClean="0"/>
-              <a:t>2022-05-03</a:t>
+              <a:t>2022. 5. 3.</a:t>
             </a:fld>
             <a:endParaRPr lang="ko-KR" altLang="en-US"/>
           </a:p>
@@ -1098,10 +1094,9 @@
           <a:lstStyle/>
           <a:p>
             <a:r>
-              <a:rPr lang="ko-KR" altLang="en-US" smtClean="0"/>
+              <a:rPr lang="ko-KR" altLang="en-US"/>
               <a:t>마스터 제목 스타일 편집</a:t>
             </a:r>
-            <a:endParaRPr lang="ko-KR" altLang="en-US"/>
           </a:p>
         </p:txBody>
       </p:sp>
@@ -1127,38 +1122,37 @@
           <a:p>
             <a:pPr lvl="0"/>
             <a:r>
-              <a:rPr lang="ko-KR" altLang="en-US" smtClean="0"/>
+              <a:rPr lang="ko-KR" altLang="en-US"/>
               <a:t>마스터 텍스트 스타일 편집</a:t>
             </a:r>
           </a:p>
           <a:p>
             <a:pPr lvl="1"/>
             <a:r>
-              <a:rPr lang="ko-KR" altLang="en-US" smtClean="0"/>
+              <a:rPr lang="ko-KR" altLang="en-US"/>
               <a:t>둘째 수준</a:t>
             </a:r>
           </a:p>
           <a:p>
             <a:pPr lvl="2"/>
             <a:r>
-              <a:rPr lang="ko-KR" altLang="en-US" smtClean="0"/>
+              <a:rPr lang="ko-KR" altLang="en-US"/>
               <a:t>셋째 수준</a:t>
             </a:r>
           </a:p>
           <a:p>
             <a:pPr lvl="3"/>
             <a:r>
-              <a:rPr lang="ko-KR" altLang="en-US" smtClean="0"/>
+              <a:rPr lang="ko-KR" altLang="en-US"/>
               <a:t>넷째 수준</a:t>
             </a:r>
           </a:p>
           <a:p>
             <a:pPr lvl="4"/>
             <a:r>
-              <a:rPr lang="ko-KR" altLang="en-US" smtClean="0"/>
+              <a:rPr lang="ko-KR" altLang="en-US"/>
               <a:t>다섯째 수준</a:t>
             </a:r>
-            <a:endParaRPr lang="ko-KR" altLang="en-US"/>
           </a:p>
         </p:txBody>
       </p:sp>
@@ -1184,38 +1178,37 @@
           <a:p>
             <a:pPr lvl="0"/>
             <a:r>
-              <a:rPr lang="ko-KR" altLang="en-US" smtClean="0"/>
+              <a:rPr lang="ko-KR" altLang="en-US"/>
               <a:t>마스터 텍스트 스타일 편집</a:t>
             </a:r>
           </a:p>
           <a:p>
             <a:pPr lvl="1"/>
             <a:r>
-              <a:rPr lang="ko-KR" altLang="en-US" smtClean="0"/>
+              <a:rPr lang="ko-KR" altLang="en-US"/>
               <a:t>둘째 수준</a:t>
             </a:r>
           </a:p>
           <a:p>
             <a:pPr lvl="2"/>
             <a:r>
-              <a:rPr lang="ko-KR" altLang="en-US" smtClean="0"/>
+              <a:rPr lang="ko-KR" altLang="en-US"/>
               <a:t>셋째 수준</a:t>
             </a:r>
           </a:p>
           <a:p>
             <a:pPr lvl="3"/>
             <a:r>
-              <a:rPr lang="ko-KR" altLang="en-US" smtClean="0"/>
+              <a:rPr lang="ko-KR" altLang="en-US"/>
               <a:t>넷째 수준</a:t>
             </a:r>
           </a:p>
           <a:p>
             <a:pPr lvl="4"/>
             <a:r>
-              <a:rPr lang="ko-KR" altLang="en-US" smtClean="0"/>
+              <a:rPr lang="ko-KR" altLang="en-US"/>
               <a:t>다섯째 수준</a:t>
             </a:r>
-            <a:endParaRPr lang="ko-KR" altLang="en-US"/>
           </a:p>
         </p:txBody>
       </p:sp>
@@ -1236,7 +1229,7 @@
           <a:p>
             <a:fld id="{A6E12817-7D15-49C3-A504-0A6BEDC86AFE}" type="datetimeFigureOut">
               <a:rPr lang="ko-KR" altLang="en-US" smtClean="0"/>
-              <a:t>2022-05-03</a:t>
+              <a:t>2022. 5. 3.</a:t>
             </a:fld>
             <a:endParaRPr lang="ko-KR" altLang="en-US"/>
           </a:p>
@@ -1335,10 +1328,9 @@
           <a:lstStyle/>
           <a:p>
             <a:r>
-              <a:rPr lang="ko-KR" altLang="en-US" smtClean="0"/>
+              <a:rPr lang="ko-KR" altLang="en-US"/>
               <a:t>마스터 제목 스타일 편집</a:t>
             </a:r>
-            <a:endParaRPr lang="ko-KR" altLang="en-US"/>
           </a:p>
         </p:txBody>
       </p:sp>
@@ -1401,7 +1393,7 @@
           <a:p>
             <a:pPr lvl="0"/>
             <a:r>
-              <a:rPr lang="ko-KR" altLang="en-US" smtClean="0"/>
+              <a:rPr lang="ko-KR" altLang="en-US"/>
               <a:t>마스터 텍스트 스타일 편집</a:t>
             </a:r>
           </a:p>
@@ -1429,38 +1421,37 @@
           <a:p>
             <a:pPr lvl="0"/>
             <a:r>
-              <a:rPr lang="ko-KR" altLang="en-US" smtClean="0"/>
+              <a:rPr lang="ko-KR" altLang="en-US"/>
               <a:t>마스터 텍스트 스타일 편집</a:t>
             </a:r>
           </a:p>
           <a:p>
             <a:pPr lvl="1"/>
             <a:r>
-              <a:rPr lang="ko-KR" altLang="en-US" smtClean="0"/>
+              <a:rPr lang="ko-KR" altLang="en-US"/>
               <a:t>둘째 수준</a:t>
             </a:r>
           </a:p>
           <a:p>
             <a:pPr lvl="2"/>
             <a:r>
-              <a:rPr lang="ko-KR" altLang="en-US" smtClean="0"/>
+              <a:rPr lang="ko-KR" altLang="en-US"/>
               <a:t>셋째 수준</a:t>
             </a:r>
           </a:p>
           <a:p>
             <a:pPr lvl="3"/>
             <a:r>
-              <a:rPr lang="ko-KR" altLang="en-US" smtClean="0"/>
+              <a:rPr lang="ko-KR" altLang="en-US"/>
               <a:t>넷째 수준</a:t>
             </a:r>
           </a:p>
           <a:p>
             <a:pPr lvl="4"/>
             <a:r>
-              <a:rPr lang="ko-KR" altLang="en-US" smtClean="0"/>
+              <a:rPr lang="ko-KR" altLang="en-US"/>
               <a:t>다섯째 수준</a:t>
             </a:r>
-            <a:endParaRPr lang="ko-KR" altLang="en-US"/>
           </a:p>
         </p:txBody>
       </p:sp>
@@ -1523,7 +1514,7 @@
           <a:p>
             <a:pPr lvl="0"/>
             <a:r>
-              <a:rPr lang="ko-KR" altLang="en-US" smtClean="0"/>
+              <a:rPr lang="ko-KR" altLang="en-US"/>
               <a:t>마스터 텍스트 스타일 편집</a:t>
             </a:r>
           </a:p>
@@ -1551,38 +1542,37 @@
           <a:p>
             <a:pPr lvl="0"/>
             <a:r>
-              <a:rPr lang="ko-KR" altLang="en-US" smtClean="0"/>
+              <a:rPr lang="ko-KR" altLang="en-US"/>
               <a:t>마스터 텍스트 스타일 편집</a:t>
             </a:r>
           </a:p>
           <a:p>
             <a:pPr lvl="1"/>
             <a:r>
-              <a:rPr lang="ko-KR" altLang="en-US" smtClean="0"/>
+              <a:rPr lang="ko-KR" altLang="en-US"/>
               <a:t>둘째 수준</a:t>
             </a:r>
           </a:p>
           <a:p>
             <a:pPr lvl="2"/>
             <a:r>
-              <a:rPr lang="ko-KR" altLang="en-US" smtClean="0"/>
+              <a:rPr lang="ko-KR" altLang="en-US"/>
               <a:t>셋째 수준</a:t>
             </a:r>
           </a:p>
           <a:p>
             <a:pPr lvl="3"/>
             <a:r>
-              <a:rPr lang="ko-KR" altLang="en-US" smtClean="0"/>
+              <a:rPr lang="ko-KR" altLang="en-US"/>
               <a:t>넷째 수준</a:t>
             </a:r>
           </a:p>
           <a:p>
             <a:pPr lvl="4"/>
             <a:r>
-              <a:rPr lang="ko-KR" altLang="en-US" smtClean="0"/>
+              <a:rPr lang="ko-KR" altLang="en-US"/>
               <a:t>다섯째 수준</a:t>
             </a:r>
-            <a:endParaRPr lang="ko-KR" altLang="en-US"/>
           </a:p>
         </p:txBody>
       </p:sp>
@@ -1603,7 +1593,7 @@
           <a:p>
             <a:fld id="{A6E12817-7D15-49C3-A504-0A6BEDC86AFE}" type="datetimeFigureOut">
               <a:rPr lang="ko-KR" altLang="en-US" smtClean="0"/>
-              <a:t>2022-05-03</a:t>
+              <a:t>2022. 5. 3.</a:t>
             </a:fld>
             <a:endParaRPr lang="ko-KR" altLang="en-US"/>
           </a:p>
@@ -1697,10 +1687,9 @@
           <a:lstStyle/>
           <a:p>
             <a:r>
-              <a:rPr lang="ko-KR" altLang="en-US" smtClean="0"/>
+              <a:rPr lang="ko-KR" altLang="en-US"/>
               <a:t>마스터 제목 스타일 편집</a:t>
             </a:r>
-            <a:endParaRPr lang="ko-KR" altLang="en-US"/>
           </a:p>
         </p:txBody>
       </p:sp>
@@ -1721,7 +1710,7 @@
           <a:p>
             <a:fld id="{A6E12817-7D15-49C3-A504-0A6BEDC86AFE}" type="datetimeFigureOut">
               <a:rPr lang="ko-KR" altLang="en-US" smtClean="0"/>
-              <a:t>2022-05-03</a:t>
+              <a:t>2022. 5. 3.</a:t>
             </a:fld>
             <a:endParaRPr lang="ko-KR" altLang="en-US"/>
           </a:p>
@@ -1816,7 +1805,7 @@
           <a:p>
             <a:fld id="{A6E12817-7D15-49C3-A504-0A6BEDC86AFE}" type="datetimeFigureOut">
               <a:rPr lang="ko-KR" altLang="en-US" smtClean="0"/>
-              <a:t>2022-05-03</a:t>
+              <a:t>2022. 5. 3.</a:t>
             </a:fld>
             <a:endParaRPr lang="ko-KR" altLang="en-US"/>
           </a:p>
@@ -1919,10 +1908,9 @@
           </a:lstStyle>
           <a:p>
             <a:r>
-              <a:rPr lang="ko-KR" altLang="en-US" smtClean="0"/>
+              <a:rPr lang="ko-KR" altLang="en-US"/>
               <a:t>마스터 제목 스타일 편집</a:t>
             </a:r>
-            <a:endParaRPr lang="ko-KR" altLang="en-US"/>
           </a:p>
         </p:txBody>
       </p:sp>
@@ -1976,38 +1964,37 @@
           <a:p>
             <a:pPr lvl="0"/>
             <a:r>
-              <a:rPr lang="ko-KR" altLang="en-US" smtClean="0"/>
+              <a:rPr lang="ko-KR" altLang="en-US"/>
               <a:t>마스터 텍스트 스타일 편집</a:t>
             </a:r>
           </a:p>
           <a:p>
             <a:pPr lvl="1"/>
             <a:r>
-              <a:rPr lang="ko-KR" altLang="en-US" smtClean="0"/>
+              <a:rPr lang="ko-KR" altLang="en-US"/>
               <a:t>둘째 수준</a:t>
             </a:r>
           </a:p>
           <a:p>
             <a:pPr lvl="2"/>
             <a:r>
-              <a:rPr lang="ko-KR" altLang="en-US" smtClean="0"/>
+              <a:rPr lang="ko-KR" altLang="en-US"/>
               <a:t>셋째 수준</a:t>
             </a:r>
           </a:p>
           <a:p>
             <a:pPr lvl="3"/>
             <a:r>
-              <a:rPr lang="ko-KR" altLang="en-US" smtClean="0"/>
+              <a:rPr lang="ko-KR" altLang="en-US"/>
               <a:t>넷째 수준</a:t>
             </a:r>
           </a:p>
           <a:p>
             <a:pPr lvl="4"/>
             <a:r>
-              <a:rPr lang="ko-KR" altLang="en-US" smtClean="0"/>
+              <a:rPr lang="ko-KR" altLang="en-US"/>
               <a:t>다섯째 수준</a:t>
             </a:r>
-            <a:endParaRPr lang="ko-KR" altLang="en-US"/>
           </a:p>
         </p:txBody>
       </p:sp>
@@ -2070,7 +2057,7 @@
           <a:p>
             <a:pPr lvl="0"/>
             <a:r>
-              <a:rPr lang="ko-KR" altLang="en-US" smtClean="0"/>
+              <a:rPr lang="ko-KR" altLang="en-US"/>
               <a:t>마스터 텍스트 스타일 편집</a:t>
             </a:r>
           </a:p>
@@ -2093,7 +2080,7 @@
           <a:p>
             <a:fld id="{A6E12817-7D15-49C3-A504-0A6BEDC86AFE}" type="datetimeFigureOut">
               <a:rPr lang="ko-KR" altLang="en-US" smtClean="0"/>
-              <a:t>2022-05-03</a:t>
+              <a:t>2022. 5. 3.</a:t>
             </a:fld>
             <a:endParaRPr lang="ko-KR" altLang="en-US"/>
           </a:p>
@@ -2196,10 +2183,9 @@
           </a:lstStyle>
           <a:p>
             <a:r>
-              <a:rPr lang="ko-KR" altLang="en-US" smtClean="0"/>
+              <a:rPr lang="ko-KR" altLang="en-US"/>
               <a:t>마스터 제목 스타일 편집</a:t>
             </a:r>
-            <a:endParaRPr lang="ko-KR" altLang="en-US"/>
           </a:p>
         </p:txBody>
       </p:sp>
@@ -2323,7 +2309,7 @@
           <a:p>
             <a:pPr lvl="0"/>
             <a:r>
-              <a:rPr lang="ko-KR" altLang="en-US" smtClean="0"/>
+              <a:rPr lang="ko-KR" altLang="en-US"/>
               <a:t>마스터 텍스트 스타일 편집</a:t>
             </a:r>
           </a:p>
@@ -2346,7 +2332,7 @@
           <a:p>
             <a:fld id="{A6E12817-7D15-49C3-A504-0A6BEDC86AFE}" type="datetimeFigureOut">
               <a:rPr lang="ko-KR" altLang="en-US" smtClean="0"/>
-              <a:t>2022-05-03</a:t>
+              <a:t>2022. 5. 3.</a:t>
             </a:fld>
             <a:endParaRPr lang="ko-KR" altLang="en-US"/>
           </a:p>
@@ -2455,10 +2441,9 @@
           <a:lstStyle/>
           <a:p>
             <a:r>
-              <a:rPr lang="ko-KR" altLang="en-US" smtClean="0"/>
+              <a:rPr lang="ko-KR" altLang="en-US"/>
               <a:t>마스터 제목 스타일 편집</a:t>
             </a:r>
-            <a:endParaRPr lang="ko-KR" altLang="en-US"/>
           </a:p>
         </p:txBody>
       </p:sp>
@@ -2489,38 +2474,37 @@
           <a:p>
             <a:pPr lvl="0"/>
             <a:r>
-              <a:rPr lang="ko-KR" altLang="en-US" smtClean="0"/>
+              <a:rPr lang="ko-KR" altLang="en-US"/>
               <a:t>마스터 텍스트 스타일 편집</a:t>
             </a:r>
           </a:p>
           <a:p>
             <a:pPr lvl="1"/>
             <a:r>
-              <a:rPr lang="ko-KR" altLang="en-US" smtClean="0"/>
+              <a:rPr lang="ko-KR" altLang="en-US"/>
               <a:t>둘째 수준</a:t>
             </a:r>
           </a:p>
           <a:p>
             <a:pPr lvl="2"/>
             <a:r>
-              <a:rPr lang="ko-KR" altLang="en-US" smtClean="0"/>
+              <a:rPr lang="ko-KR" altLang="en-US"/>
               <a:t>셋째 수준</a:t>
             </a:r>
           </a:p>
           <a:p>
             <a:pPr lvl="3"/>
             <a:r>
-              <a:rPr lang="ko-KR" altLang="en-US" smtClean="0"/>
+              <a:rPr lang="ko-KR" altLang="en-US"/>
               <a:t>넷째 수준</a:t>
             </a:r>
           </a:p>
           <a:p>
             <a:pPr lvl="4"/>
             <a:r>
-              <a:rPr lang="ko-KR" altLang="en-US" smtClean="0"/>
+              <a:rPr lang="ko-KR" altLang="en-US"/>
               <a:t>다섯째 수준</a:t>
             </a:r>
-            <a:endParaRPr lang="ko-KR" altLang="en-US"/>
           </a:p>
         </p:txBody>
       </p:sp>
@@ -2559,7 +2543,7 @@
           <a:p>
             <a:fld id="{A6E12817-7D15-49C3-A504-0A6BEDC86AFE}" type="datetimeFigureOut">
               <a:rPr lang="ko-KR" altLang="en-US" smtClean="0"/>
-              <a:t>2022-05-03</a:t>
+              <a:t>2022. 5. 3.</a:t>
             </a:fld>
             <a:endParaRPr lang="ko-KR" altLang="en-US"/>
           </a:p>
@@ -3024,24 +3008,64 @@
         </p:blipFill>
         <p:spPr>
           <a:xfrm>
-            <a:off x="0" y="0"/>
-            <a:ext cx="12192000" cy="6858000"/>
+            <a:off x="-16625" y="-16626"/>
+            <a:ext cx="12208625" cy="6874626"/>
           </a:xfrm>
           <a:prstGeom prst="rect">
             <a:avLst/>
           </a:prstGeom>
         </p:spPr>
       </p:pic>
+      <p:sp>
+        <p:nvSpPr>
+          <p:cNvPr id="10" name="TextBox 9"/>
+          <p:cNvSpPr txBox="1"/>
+          <p:nvPr/>
+        </p:nvSpPr>
+        <p:spPr>
+          <a:xfrm>
+            <a:off x="971006" y="973423"/>
+            <a:ext cx="1828800" cy="338554"/>
+          </a:xfrm>
+          <a:prstGeom prst="rect">
+            <a:avLst/>
+          </a:prstGeom>
+          <a:noFill/>
+        </p:spPr>
+        <p:txBody>
+          <a:bodyPr wrap="square" rtlCol="0">
+            <a:spAutoFit/>
+          </a:bodyPr>
+          <a:lstStyle/>
+          <a:p>
+            <a:r>
+              <a:rPr lang="en-US" altLang="ko-KR" sz="1600" dirty="0">
+                <a:solidFill>
+                  <a:schemeClr val="bg1"/>
+                </a:solidFill>
+              </a:rPr>
+              <a:t>Our thesis</a:t>
+            </a:r>
+            <a:endParaRPr lang="ko-KR" altLang="en-US" sz="1600" dirty="0">
+              <a:solidFill>
+                <a:schemeClr val="bg1"/>
+              </a:solidFill>
+            </a:endParaRPr>
+          </a:p>
+        </p:txBody>
+      </p:sp>
       <p:cxnSp>
         <p:nvCxnSpPr>
-          <p:cNvPr id="6" name="직선 화살표 연결선 5"/>
-          <p:cNvCxnSpPr/>
+          <p:cNvPr id="14" name="직선 화살표 연결선 13"/>
+          <p:cNvCxnSpPr>
+            <a:cxnSpLocks/>
+          </p:cNvCxnSpPr>
           <p:nvPr/>
         </p:nvCxnSpPr>
         <p:spPr>
-          <a:xfrm flipH="1" flipV="1">
-            <a:off x="352697" y="282770"/>
-            <a:ext cx="770709" cy="690653"/>
+          <a:xfrm flipH="1">
+            <a:off x="337866" y="5359923"/>
+            <a:ext cx="458970" cy="573996"/>
           </a:xfrm>
           <a:prstGeom prst="straightConnector1">
             <a:avLst/>
@@ -3067,14 +3091,14 @@
       </p:cxnSp>
       <p:sp>
         <p:nvSpPr>
-          <p:cNvPr id="10" name="TextBox 9"/>
+          <p:cNvPr id="15" name="TextBox 14"/>
           <p:cNvSpPr txBox="1"/>
           <p:nvPr/>
         </p:nvSpPr>
         <p:spPr>
           <a:xfrm>
-            <a:off x="971006" y="973423"/>
-            <a:ext cx="1828800" cy="338554"/>
+            <a:off x="176349" y="5076427"/>
+            <a:ext cx="2085702" cy="338554"/>
           </a:xfrm>
           <a:prstGeom prst="rect">
             <a:avLst/>
@@ -3088,12 +3112,12 @@
           <a:lstStyle/>
           <a:p>
             <a:r>
-              <a:rPr lang="en-US" altLang="ko-KR" sz="1600" dirty="0" smtClean="0">
+              <a:rPr lang="en-US" altLang="ko-KR" sz="1600" dirty="0">
                 <a:solidFill>
                   <a:schemeClr val="bg1"/>
                 </a:solidFill>
               </a:rPr>
-              <a:t>Our thesis</a:t>
+              <a:t>This sitemap</a:t>
             </a:r>
             <a:endParaRPr lang="ko-KR" altLang="en-US" sz="1600" dirty="0">
               <a:solidFill>
@@ -3105,14 +3129,16 @@
       </p:sp>
       <p:cxnSp>
         <p:nvCxnSpPr>
-          <p:cNvPr id="11" name="직선 화살표 연결선 10"/>
-          <p:cNvCxnSpPr/>
+          <p:cNvPr id="18" name="직선 화살표 연결선 17"/>
+          <p:cNvCxnSpPr>
+            <a:cxnSpLocks/>
+          </p:cNvCxnSpPr>
           <p:nvPr/>
         </p:nvCxnSpPr>
         <p:spPr>
-          <a:xfrm flipV="1">
-            <a:off x="10785565" y="283849"/>
-            <a:ext cx="526870" cy="234724"/>
+          <a:xfrm flipH="1">
+            <a:off x="1104242" y="5782520"/>
+            <a:ext cx="1063649" cy="239814"/>
           </a:xfrm>
           <a:prstGeom prst="straightConnector1">
             <a:avLst/>
@@ -3138,14 +3164,14 @@
       </p:cxnSp>
       <p:sp>
         <p:nvSpPr>
-          <p:cNvPr id="12" name="TextBox 11"/>
+          <p:cNvPr id="20" name="TextBox 19"/>
           <p:cNvSpPr txBox="1"/>
           <p:nvPr/>
         </p:nvSpPr>
         <p:spPr>
           <a:xfrm>
-            <a:off x="10361518" y="488765"/>
-            <a:ext cx="1828800" cy="338554"/>
+            <a:off x="1219200" y="5457045"/>
+            <a:ext cx="2198914" cy="338554"/>
           </a:xfrm>
           <a:prstGeom prst="rect">
             <a:avLst/>
@@ -3159,12 +3185,12 @@
           <a:lstStyle/>
           <a:p>
             <a:r>
-              <a:rPr lang="en-US" altLang="ko-KR" sz="1600" dirty="0" smtClean="0">
+              <a:rPr lang="en-US" altLang="ko-KR" sz="1600" dirty="0">
                 <a:solidFill>
                   <a:schemeClr val="bg1"/>
                 </a:solidFill>
               </a:rPr>
-              <a:t>Us!</a:t>
+              <a:t>Our introduction</a:t>
             </a:r>
             <a:endParaRPr lang="ko-KR" altLang="en-US" sz="1600" dirty="0">
               <a:solidFill>
@@ -3176,14 +3202,16 @@
       </p:sp>
       <p:cxnSp>
         <p:nvCxnSpPr>
-          <p:cNvPr id="14" name="직선 화살표 연결선 13"/>
-          <p:cNvCxnSpPr/>
+          <p:cNvPr id="21" name="직선 화살표 연결선 20"/>
+          <p:cNvCxnSpPr>
+            <a:cxnSpLocks/>
+          </p:cNvCxnSpPr>
           <p:nvPr/>
         </p:nvCxnSpPr>
         <p:spPr>
-          <a:xfrm flipH="1">
-            <a:off x="352697" y="5349875"/>
-            <a:ext cx="444137" cy="1098641"/>
+          <a:xfrm>
+            <a:off x="2537461" y="4300438"/>
+            <a:ext cx="767955" cy="1721896"/>
           </a:xfrm>
           <a:prstGeom prst="straightConnector1">
             <a:avLst/>
@@ -3209,14 +3237,14 @@
       </p:cxnSp>
       <p:sp>
         <p:nvSpPr>
-          <p:cNvPr id="15" name="TextBox 14"/>
+          <p:cNvPr id="22" name="TextBox 21"/>
           <p:cNvSpPr txBox="1"/>
           <p:nvPr/>
         </p:nvSpPr>
         <p:spPr>
           <a:xfrm>
-            <a:off x="176349" y="5076427"/>
-            <a:ext cx="2085702" cy="338554"/>
+            <a:off x="1230087" y="3503196"/>
+            <a:ext cx="2614748" cy="830997"/>
           </a:xfrm>
           <a:prstGeom prst="rect">
             <a:avLst/>
@@ -3230,12 +3258,12 @@
           <a:lstStyle/>
           <a:p>
             <a:r>
-              <a:rPr lang="en-US" altLang="ko-KR" sz="1600" dirty="0" smtClean="0">
+              <a:rPr lang="en-US" altLang="ko-KR" sz="1600" dirty="0">
                 <a:solidFill>
                   <a:schemeClr val="bg1"/>
                 </a:solidFill>
               </a:rPr>
-              <a:t>This sitemap</a:t>
+              <a:t>Controversies around remote working technologies</a:t>
             </a:r>
             <a:endParaRPr lang="ko-KR" altLang="en-US" sz="1600" dirty="0">
               <a:solidFill>
@@ -3247,14 +3275,16 @@
       </p:sp>
       <p:cxnSp>
         <p:nvCxnSpPr>
-          <p:cNvPr id="18" name="직선 화살표 연결선 17"/>
-          <p:cNvCxnSpPr/>
+          <p:cNvPr id="25" name="직선 화살표 연결선 24"/>
+          <p:cNvCxnSpPr>
+            <a:cxnSpLocks/>
+          </p:cNvCxnSpPr>
           <p:nvPr/>
         </p:nvCxnSpPr>
         <p:spPr>
-          <a:xfrm flipH="1">
-            <a:off x="1066801" y="5734594"/>
-            <a:ext cx="1010193" cy="713921"/>
+          <a:xfrm>
+            <a:off x="3530126" y="945287"/>
+            <a:ext cx="467602" cy="5077047"/>
           </a:xfrm>
           <a:prstGeom prst="straightConnector1">
             <a:avLst/>
@@ -3280,14 +3310,14 @@
       </p:cxnSp>
       <p:sp>
         <p:nvSpPr>
-          <p:cNvPr id="20" name="TextBox 19"/>
+          <p:cNvPr id="27" name="TextBox 26"/>
           <p:cNvSpPr txBox="1"/>
           <p:nvPr/>
         </p:nvSpPr>
         <p:spPr>
           <a:xfrm>
-            <a:off x="1219200" y="5457045"/>
-            <a:ext cx="2198914" cy="338554"/>
+            <a:off x="2167889" y="270794"/>
+            <a:ext cx="3421379" cy="584775"/>
           </a:xfrm>
           <a:prstGeom prst="rect">
             <a:avLst/>
@@ -3301,12 +3331,12 @@
           <a:lstStyle/>
           <a:p>
             <a:r>
-              <a:rPr lang="en-US" altLang="ko-KR" sz="1600" dirty="0" smtClean="0">
+              <a:rPr lang="en-US" altLang="ko-KR" sz="1600" dirty="0">
                 <a:solidFill>
                   <a:schemeClr val="bg1"/>
                 </a:solidFill>
               </a:rPr>
-              <a:t>Our introduction</a:t>
+              <a:t>How remote working technologies overcame the liability of newness</a:t>
             </a:r>
             <a:endParaRPr lang="ko-KR" altLang="en-US" sz="1600" dirty="0">
               <a:solidFill>
@@ -3318,14 +3348,16 @@
       </p:sp>
       <p:cxnSp>
         <p:nvCxnSpPr>
-          <p:cNvPr id="21" name="직선 화살표 연결선 20"/>
-          <p:cNvCxnSpPr/>
+          <p:cNvPr id="29" name="직선 화살표 연결선 28"/>
+          <p:cNvCxnSpPr>
+            <a:cxnSpLocks/>
+          </p:cNvCxnSpPr>
           <p:nvPr/>
         </p:nvCxnSpPr>
         <p:spPr>
           <a:xfrm>
-            <a:off x="2555964" y="4348477"/>
-            <a:ext cx="792482" cy="2108965"/>
+            <a:off x="4598126" y="1567669"/>
+            <a:ext cx="93925" cy="4454665"/>
           </a:xfrm>
           <a:prstGeom prst="straightConnector1">
             <a:avLst/>
@@ -3351,14 +3383,14 @@
       </p:cxnSp>
       <p:sp>
         <p:nvSpPr>
-          <p:cNvPr id="22" name="TextBox 21"/>
+          <p:cNvPr id="32" name="TextBox 31"/>
           <p:cNvSpPr txBox="1"/>
           <p:nvPr/>
         </p:nvSpPr>
         <p:spPr>
           <a:xfrm>
-            <a:off x="1230087" y="3503196"/>
-            <a:ext cx="2614748" cy="830997"/>
+            <a:off x="3895185" y="982894"/>
+            <a:ext cx="4061731" cy="584775"/>
           </a:xfrm>
           <a:prstGeom prst="rect">
             <a:avLst/>
@@ -3372,12 +3404,12 @@
           <a:lstStyle/>
           <a:p>
             <a:r>
-              <a:rPr lang="en-US" altLang="ko-KR" sz="1600" dirty="0" smtClean="0">
+              <a:rPr lang="en-US" altLang="ko-KR" sz="1600" dirty="0">
                 <a:solidFill>
                   <a:schemeClr val="bg1"/>
                 </a:solidFill>
               </a:rPr>
-              <a:t>Controversies around remote working technologies</a:t>
+              <a:t>Relevant social groups in remote working technologies</a:t>
             </a:r>
             <a:endParaRPr lang="ko-KR" altLang="en-US" sz="1600" dirty="0">
               <a:solidFill>
@@ -3389,14 +3421,16 @@
       </p:sp>
       <p:cxnSp>
         <p:nvCxnSpPr>
-          <p:cNvPr id="25" name="직선 화살표 연결선 24"/>
-          <p:cNvCxnSpPr/>
+          <p:cNvPr id="35" name="직선 화살표 연결선 34"/>
+          <p:cNvCxnSpPr>
+            <a:cxnSpLocks/>
+          </p:cNvCxnSpPr>
           <p:nvPr/>
         </p:nvCxnSpPr>
         <p:spPr>
-          <a:xfrm>
-            <a:off x="3487171" y="855569"/>
-            <a:ext cx="557961" cy="5586966"/>
+          <a:xfrm flipH="1">
+            <a:off x="5344783" y="2550563"/>
+            <a:ext cx="283954" cy="3471771"/>
           </a:xfrm>
           <a:prstGeom prst="straightConnector1">
             <a:avLst/>
@@ -3422,14 +3456,14 @@
       </p:cxnSp>
       <p:sp>
         <p:nvSpPr>
-          <p:cNvPr id="27" name="TextBox 26"/>
+          <p:cNvPr id="37" name="TextBox 36"/>
           <p:cNvSpPr txBox="1"/>
           <p:nvPr/>
         </p:nvSpPr>
         <p:spPr>
           <a:xfrm>
-            <a:off x="2167889" y="270794"/>
-            <a:ext cx="3421379" cy="584775"/>
+            <a:off x="4832717" y="1749352"/>
+            <a:ext cx="2981051" cy="830997"/>
           </a:xfrm>
           <a:prstGeom prst="rect">
             <a:avLst/>
@@ -3443,12 +3477,12 @@
           <a:lstStyle/>
           <a:p>
             <a:r>
-              <a:rPr lang="en-US" altLang="ko-KR" sz="1600" dirty="0" smtClean="0">
+              <a:rPr lang="en-US" altLang="ko-KR" sz="1600" dirty="0">
                 <a:solidFill>
                   <a:schemeClr val="bg1"/>
                 </a:solidFill>
               </a:rPr>
-              <a:t>How remote working technologies overcame the liability of newness</a:t>
+              <a:t>Issues of intellectual property in remote working technologies</a:t>
             </a:r>
             <a:endParaRPr lang="ko-KR" altLang="en-US" sz="1600" dirty="0">
               <a:solidFill>
@@ -3460,14 +3494,16 @@
       </p:sp>
       <p:cxnSp>
         <p:nvCxnSpPr>
-          <p:cNvPr id="29" name="직선 화살표 연결선 28"/>
-          <p:cNvCxnSpPr/>
+          <p:cNvPr id="42" name="직선 화살표 연결선 41"/>
+          <p:cNvCxnSpPr>
+            <a:cxnSpLocks/>
+          </p:cNvCxnSpPr>
           <p:nvPr/>
         </p:nvCxnSpPr>
         <p:spPr>
-          <a:xfrm>
-            <a:off x="4598126" y="1567669"/>
-            <a:ext cx="91443" cy="4874866"/>
+          <a:xfrm flipH="1">
+            <a:off x="6028424" y="3622284"/>
+            <a:ext cx="227984" cy="2408501"/>
           </a:xfrm>
           <a:prstGeom prst="straightConnector1">
             <a:avLst/>
@@ -3493,14 +3529,14 @@
       </p:cxnSp>
       <p:sp>
         <p:nvSpPr>
-          <p:cNvPr id="32" name="TextBox 31"/>
+          <p:cNvPr id="44" name="TextBox 43"/>
           <p:cNvSpPr txBox="1"/>
           <p:nvPr/>
         </p:nvSpPr>
         <p:spPr>
           <a:xfrm>
-            <a:off x="3895185" y="982894"/>
-            <a:ext cx="4061731" cy="584775"/>
+            <a:off x="5743334" y="2791287"/>
+            <a:ext cx="2981051" cy="830997"/>
           </a:xfrm>
           <a:prstGeom prst="rect">
             <a:avLst/>
@@ -3514,12 +3550,12 @@
           <a:lstStyle/>
           <a:p>
             <a:r>
-              <a:rPr lang="en-US" altLang="ko-KR" sz="1600" dirty="0" smtClean="0">
+              <a:rPr lang="en-US" altLang="ko-KR" sz="1600" dirty="0">
                 <a:solidFill>
                   <a:schemeClr val="bg1"/>
                 </a:solidFill>
               </a:rPr>
-              <a:t>Relevant social in remote working technologies</a:t>
+              <a:t>How remote working technologies “locked-in” to infrastructures</a:t>
             </a:r>
             <a:endParaRPr lang="ko-KR" altLang="en-US" sz="1600" dirty="0">
               <a:solidFill>
@@ -3531,14 +3567,16 @@
       </p:sp>
       <p:cxnSp>
         <p:nvCxnSpPr>
-          <p:cNvPr id="35" name="직선 화살표 연결선 34"/>
-          <p:cNvCxnSpPr/>
+          <p:cNvPr id="46" name="직선 화살표 연결선 45"/>
+          <p:cNvCxnSpPr>
+            <a:cxnSpLocks/>
+          </p:cNvCxnSpPr>
           <p:nvPr/>
         </p:nvCxnSpPr>
         <p:spPr>
           <a:xfrm flipH="1">
-            <a:off x="5366116" y="2550563"/>
-            <a:ext cx="262620" cy="3942153"/>
+            <a:off x="6707184" y="4645166"/>
+            <a:ext cx="896874" cy="1377168"/>
           </a:xfrm>
           <a:prstGeom prst="straightConnector1">
             <a:avLst/>
@@ -3564,14 +3602,14 @@
       </p:cxnSp>
       <p:sp>
         <p:nvSpPr>
-          <p:cNvPr id="37" name="TextBox 36"/>
+          <p:cNvPr id="49" name="TextBox 48"/>
           <p:cNvSpPr txBox="1"/>
           <p:nvPr/>
         </p:nvSpPr>
         <p:spPr>
           <a:xfrm>
-            <a:off x="4832717" y="1749352"/>
-            <a:ext cx="2981051" cy="830997"/>
+            <a:off x="6734381" y="3814654"/>
+            <a:ext cx="2952676" cy="830997"/>
           </a:xfrm>
           <a:prstGeom prst="rect">
             <a:avLst/>
@@ -3584,212 +3622,46 @@
           </a:bodyPr>
           <a:lstStyle/>
           <a:p>
-            <a:r>
-              <a:rPr lang="en-US" altLang="ko-KR" sz="1600" dirty="0" smtClean="0">
-                <a:solidFill>
-                  <a:schemeClr val="bg1"/>
-                </a:solidFill>
-              </a:rPr>
-              <a:t>Issues of intellectual property in remote working technologies</a:t>
-            </a:r>
-            <a:endParaRPr lang="ko-KR" altLang="en-US" sz="1600" dirty="0">
-              <a:solidFill>
-                <a:schemeClr val="bg1"/>
-              </a:solidFill>
-            </a:endParaRPr>
-          </a:p>
-        </p:txBody>
-      </p:sp>
-      <p:cxnSp>
-        <p:nvCxnSpPr>
-          <p:cNvPr id="42" name="직선 화살표 연결선 41"/>
-          <p:cNvCxnSpPr/>
-          <p:nvPr/>
-        </p:nvCxnSpPr>
-        <p:spPr>
-          <a:xfrm flipH="1">
-            <a:off x="6029331" y="3622284"/>
-            <a:ext cx="227075" cy="2820251"/>
-          </a:xfrm>
-          <a:prstGeom prst="straightConnector1">
-            <a:avLst/>
-          </a:prstGeom>
-          <a:ln w="38100">
-            <a:tailEnd type="triangle"/>
-          </a:ln>
-        </p:spPr>
-        <p:style>
-          <a:lnRef idx="3">
-            <a:schemeClr val="accent6"/>
-          </a:lnRef>
-          <a:fillRef idx="0">
-            <a:schemeClr val="accent6"/>
-          </a:fillRef>
-          <a:effectRef idx="2">
-            <a:schemeClr val="accent6"/>
-          </a:effectRef>
-          <a:fontRef idx="minor">
-            <a:schemeClr val="tx1"/>
-          </a:fontRef>
-        </p:style>
-      </p:cxnSp>
-      <p:sp>
-        <p:nvSpPr>
-          <p:cNvPr id="44" name="TextBox 43"/>
-          <p:cNvSpPr txBox="1"/>
-          <p:nvPr/>
-        </p:nvSpPr>
-        <p:spPr>
-          <a:xfrm>
-            <a:off x="5743334" y="2791287"/>
-            <a:ext cx="2981051" cy="830997"/>
-          </a:xfrm>
-          <a:prstGeom prst="rect">
-            <a:avLst/>
-          </a:prstGeom>
-          <a:noFill/>
-        </p:spPr>
-        <p:txBody>
-          <a:bodyPr wrap="square" rtlCol="0">
-            <a:spAutoFit/>
-          </a:bodyPr>
-          <a:lstStyle/>
-          <a:p>
-            <a:r>
-              <a:rPr lang="en-US" altLang="ko-KR" sz="1600" dirty="0" smtClean="0">
-                <a:solidFill>
-                  <a:schemeClr val="bg1"/>
-                </a:solidFill>
-              </a:rPr>
-              <a:t>How remote working technologies “locked-in” to infrastructures</a:t>
-            </a:r>
-            <a:endParaRPr lang="ko-KR" altLang="en-US" sz="1600" dirty="0">
-              <a:solidFill>
-                <a:schemeClr val="bg1"/>
-              </a:solidFill>
-            </a:endParaRPr>
-          </a:p>
-        </p:txBody>
-      </p:sp>
-      <p:cxnSp>
-        <p:nvCxnSpPr>
-          <p:cNvPr id="46" name="직선 화살표 연결선 45"/>
-          <p:cNvCxnSpPr/>
-          <p:nvPr/>
-        </p:nvCxnSpPr>
-        <p:spPr>
-          <a:xfrm flipH="1">
-            <a:off x="6682197" y="4645166"/>
-            <a:ext cx="921860" cy="1847435"/>
-          </a:xfrm>
-          <a:prstGeom prst="straightConnector1">
-            <a:avLst/>
-          </a:prstGeom>
-          <a:ln w="38100">
-            <a:tailEnd type="triangle"/>
-          </a:ln>
-        </p:spPr>
-        <p:style>
-          <a:lnRef idx="3">
-            <a:schemeClr val="accent6"/>
-          </a:lnRef>
-          <a:fillRef idx="0">
-            <a:schemeClr val="accent6"/>
-          </a:fillRef>
-          <a:effectRef idx="2">
-            <a:schemeClr val="accent6"/>
-          </a:effectRef>
-          <a:fontRef idx="minor">
-            <a:schemeClr val="tx1"/>
-          </a:fontRef>
-        </p:style>
-      </p:cxnSp>
-      <p:sp>
-        <p:nvSpPr>
-          <p:cNvPr id="49" name="TextBox 48"/>
-          <p:cNvSpPr txBox="1"/>
-          <p:nvPr/>
-        </p:nvSpPr>
-        <p:spPr>
-          <a:xfrm>
-            <a:off x="6734381" y="3814654"/>
-            <a:ext cx="2952676" cy="830997"/>
-          </a:xfrm>
-          <a:prstGeom prst="rect">
-            <a:avLst/>
-          </a:prstGeom>
-          <a:noFill/>
-        </p:spPr>
-        <p:txBody>
-          <a:bodyPr wrap="square" rtlCol="0">
-            <a:spAutoFit/>
-          </a:bodyPr>
-          <a:lstStyle/>
-          <a:p>
-            <a:r>
-              <a:rPr lang="en-US" altLang="ko-KR" sz="1600" smtClean="0">
-                <a:solidFill>
-                  <a:schemeClr val="bg1"/>
-                </a:solidFill>
-              </a:rPr>
-              <a:t>How the </a:t>
-            </a:r>
-            <a:r>
-              <a:rPr lang="en-US" altLang="ko-KR" sz="1600" dirty="0" smtClean="0">
-                <a:solidFill>
-                  <a:schemeClr val="bg1"/>
-                </a:solidFill>
-              </a:rPr>
-              <a:t>relevant social groups shaped remote working technologies</a:t>
-            </a:r>
-            <a:endParaRPr lang="ko-KR" altLang="en-US" sz="1600" dirty="0"/>
-          </a:p>
-        </p:txBody>
-      </p:sp>
-      <p:sp>
-        <p:nvSpPr>
-          <p:cNvPr id="54" name="직사각형 53"/>
-          <p:cNvSpPr/>
-          <p:nvPr/>
-        </p:nvSpPr>
-        <p:spPr>
-          <a:xfrm>
-            <a:off x="9287903" y="2282374"/>
-            <a:ext cx="2284316" cy="830997"/>
-          </a:xfrm>
-          <a:prstGeom prst="rect">
-            <a:avLst/>
-          </a:prstGeom>
-        </p:spPr>
-        <p:txBody>
-          <a:bodyPr wrap="square">
-            <a:spAutoFit/>
-          </a:bodyPr>
-          <a:lstStyle/>
-          <a:p>
-            <a:r>
-              <a:rPr lang="en-US" altLang="ko-KR" sz="1600" dirty="0" smtClean="0">
-                <a:solidFill>
-                  <a:schemeClr val="bg1"/>
-                </a:solidFill>
-              </a:rPr>
-              <a:t>The </a:t>
-            </a:r>
             <a:r>
               <a:rPr lang="en-US" altLang="ko-KR" sz="1600" dirty="0">
                 <a:solidFill>
                   <a:schemeClr val="bg1"/>
                 </a:solidFill>
               </a:rPr>
-              <a:t>d</a:t>
-            </a:r>
-            <a:r>
-              <a:rPr lang="en-US" altLang="ko-KR" sz="1600" dirty="0" smtClean="0">
+              <a:t>How the relevant social groups shaped remote working technologies</a:t>
+            </a:r>
+            <a:endParaRPr lang="ko-KR" altLang="en-US" sz="1600" dirty="0"/>
+          </a:p>
+        </p:txBody>
+      </p:sp>
+      <p:sp>
+        <p:nvSpPr>
+          <p:cNvPr id="54" name="직사각형 53"/>
+          <p:cNvSpPr/>
+          <p:nvPr/>
+        </p:nvSpPr>
+        <p:spPr>
+          <a:xfrm>
+            <a:off x="9287903" y="2282374"/>
+            <a:ext cx="2284316" cy="830997"/>
+          </a:xfrm>
+          <a:prstGeom prst="rect">
+            <a:avLst/>
+          </a:prstGeom>
+        </p:spPr>
+        <p:txBody>
+          <a:bodyPr wrap="square">
+            <a:spAutoFit/>
+          </a:bodyPr>
+          <a:lstStyle/>
+          <a:p>
+            <a:r>
+              <a:rPr lang="en-US" altLang="ko-KR" sz="1600" dirty="0">
                 <a:solidFill>
                   <a:schemeClr val="bg1"/>
                 </a:solidFill>
               </a:rPr>
-              <a:t>igital divide of remote working technologies</a:t>
+              <a:t>The digital divide in videoconferencing technologies</a:t>
             </a:r>
             <a:endParaRPr lang="ko-KR" altLang="en-US" sz="1600" dirty="0"/>
           </a:p>
@@ -3798,13 +3670,15 @@
       <p:cxnSp>
         <p:nvCxnSpPr>
           <p:cNvPr id="55" name="직선 화살표 연결선 54"/>
-          <p:cNvCxnSpPr/>
+          <p:cNvCxnSpPr>
+            <a:cxnSpLocks/>
+          </p:cNvCxnSpPr>
           <p:nvPr/>
         </p:nvCxnSpPr>
         <p:spPr>
           <a:xfrm flipH="1">
-            <a:off x="7536274" y="4055788"/>
-            <a:ext cx="2519411" cy="2417750"/>
+            <a:off x="7572736" y="4055788"/>
+            <a:ext cx="2482950" cy="2006379"/>
           </a:xfrm>
           <a:prstGeom prst="straightConnector1">
             <a:avLst/>
@@ -3862,13 +3736,15 @@
       <p:cxnSp>
         <p:nvCxnSpPr>
           <p:cNvPr id="60" name="직선 화살표 연결선 59"/>
-          <p:cNvCxnSpPr/>
+          <p:cNvCxnSpPr>
+            <a:cxnSpLocks/>
+          </p:cNvCxnSpPr>
           <p:nvPr/>
         </p:nvCxnSpPr>
         <p:spPr>
           <a:xfrm flipH="1">
-            <a:off x="8341005" y="5291208"/>
-            <a:ext cx="1714680" cy="1177453"/>
+            <a:off x="8310014" y="5291208"/>
+            <a:ext cx="1745672" cy="770959"/>
           </a:xfrm>
           <a:prstGeom prst="straightConnector1">
             <a:avLst/>
@@ -3895,13 +3771,15 @@
       <p:cxnSp>
         <p:nvCxnSpPr>
           <p:cNvPr id="62" name="직선 화살표 연결선 61"/>
-          <p:cNvCxnSpPr/>
+          <p:cNvCxnSpPr>
+            <a:cxnSpLocks/>
+          </p:cNvCxnSpPr>
           <p:nvPr/>
         </p:nvCxnSpPr>
         <p:spPr>
           <a:xfrm>
-            <a:off x="11735895" y="5967120"/>
-            <a:ext cx="69204" cy="583885"/>
+            <a:off x="11735895" y="5932616"/>
+            <a:ext cx="73667" cy="196339"/>
           </a:xfrm>
           <a:prstGeom prst="straightConnector1">
             <a:avLst/>
@@ -3948,7 +3826,7 @@
           <a:lstStyle/>
           <a:p>
             <a:r>
-              <a:rPr lang="en-US" altLang="ko-KR" sz="1600" dirty="0" smtClean="0">
+              <a:rPr lang="en-US" altLang="ko-KR" sz="1600" dirty="0">
                 <a:solidFill>
                   <a:schemeClr val="bg1"/>
                 </a:solidFill>
@@ -3986,12 +3864,356 @@
           <a:lstStyle/>
           <a:p>
             <a:r>
-              <a:rPr lang="en-US" altLang="ko-KR" sz="1600" dirty="0" smtClean="0">
+              <a:rPr lang="en-US" altLang="ko-KR" sz="1600" dirty="0">
                 <a:solidFill>
                   <a:schemeClr val="bg1"/>
                 </a:solidFill>
               </a:rPr>
-              <a:t>Impact of remote working technologies</a:t>
+              <a:t>Impact of videoconferencing technologies</a:t>
+            </a:r>
+            <a:endParaRPr lang="ko-KR" altLang="en-US" sz="1600" dirty="0">
+              <a:solidFill>
+                <a:schemeClr val="bg1"/>
+              </a:solidFill>
+            </a:endParaRPr>
+          </a:p>
+        </p:txBody>
+      </p:sp>
+      <p:sp>
+        <p:nvSpPr>
+          <p:cNvPr id="5" name="TextBox 4">
+            <a:extLst>
+              <a:ext uri="{FF2B5EF4-FFF2-40B4-BE49-F238E27FC236}">
+                <a16:creationId xmlns:a16="http://schemas.microsoft.com/office/drawing/2014/main" id="{E8519223-945E-A440-B312-29EB9A3B6FEE}"/>
+              </a:ext>
+            </a:extLst>
+          </p:cNvPr>
+          <p:cNvSpPr txBox="1"/>
+          <p:nvPr/>
+        </p:nvSpPr>
+        <p:spPr>
+          <a:xfrm>
+            <a:off x="13250487" y="1878676"/>
+            <a:ext cx="184731" cy="369332"/>
+          </a:xfrm>
+          <a:prstGeom prst="rect">
+            <a:avLst/>
+          </a:prstGeom>
+          <a:noFill/>
+        </p:spPr>
+        <p:txBody>
+          <a:bodyPr wrap="none" rtlCol="0">
+            <a:spAutoFit/>
+          </a:bodyPr>
+          <a:lstStyle/>
+          <a:p>
+            <a:endParaRPr lang="en-US" dirty="0"/>
+          </a:p>
+        </p:txBody>
+      </p:sp>
+      <p:sp>
+        <p:nvSpPr>
+          <p:cNvPr id="7" name="Rectangle 6">
+            <a:extLst>
+              <a:ext uri="{FF2B5EF4-FFF2-40B4-BE49-F238E27FC236}">
+                <a16:creationId xmlns:a16="http://schemas.microsoft.com/office/drawing/2014/main" id="{68E620D9-2B9F-2041-9670-04209D46CE82}"/>
+              </a:ext>
+            </a:extLst>
+          </p:cNvPr>
+          <p:cNvSpPr/>
+          <p:nvPr/>
+        </p:nvSpPr>
+        <p:spPr>
+          <a:xfrm>
+            <a:off x="-74874" y="125589"/>
+            <a:ext cx="2145575" cy="741959"/>
+          </a:xfrm>
+          <a:prstGeom prst="rect">
+            <a:avLst/>
+          </a:prstGeom>
+          <a:solidFill>
+            <a:srgbClr val="252423"/>
+          </a:solidFill>
+          <a:ln>
+            <a:noFill/>
+          </a:ln>
+        </p:spPr>
+        <p:style>
+          <a:lnRef idx="2">
+            <a:schemeClr val="accent1">
+              <a:shade val="50000"/>
+            </a:schemeClr>
+          </a:lnRef>
+          <a:fillRef idx="1">
+            <a:schemeClr val="accent1"/>
+          </a:fillRef>
+          <a:effectRef idx="0">
+            <a:schemeClr val="accent1"/>
+          </a:effectRef>
+          <a:fontRef idx="minor">
+            <a:schemeClr val="lt1"/>
+          </a:fontRef>
+        </p:style>
+        <p:txBody>
+          <a:bodyPr rtlCol="0" anchor="ctr"/>
+          <a:lstStyle/>
+          <a:p>
+            <a:pPr algn="ctr"/>
+            <a:endParaRPr lang="en-US"/>
+          </a:p>
+        </p:txBody>
+      </p:sp>
+      <p:cxnSp>
+        <p:nvCxnSpPr>
+          <p:cNvPr id="6" name="직선 화살표 연결선 5"/>
+          <p:cNvCxnSpPr/>
+          <p:nvPr/>
+        </p:nvCxnSpPr>
+        <p:spPr>
+          <a:xfrm flipH="1" flipV="1">
+            <a:off x="352697" y="282770"/>
+            <a:ext cx="770709" cy="690653"/>
+          </a:xfrm>
+          <a:prstGeom prst="straightConnector1">
+            <a:avLst/>
+          </a:prstGeom>
+          <a:ln w="38100">
+            <a:tailEnd type="triangle"/>
+          </a:ln>
+        </p:spPr>
+        <p:style>
+          <a:lnRef idx="3">
+            <a:schemeClr val="accent6"/>
+          </a:lnRef>
+          <a:fillRef idx="0">
+            <a:schemeClr val="accent6"/>
+          </a:fillRef>
+          <a:effectRef idx="2">
+            <a:schemeClr val="accent6"/>
+          </a:effectRef>
+          <a:fontRef idx="minor">
+            <a:schemeClr val="tx1"/>
+          </a:fontRef>
+        </p:style>
+      </p:cxnSp>
+      <p:sp>
+        <p:nvSpPr>
+          <p:cNvPr id="34" name="Rectangle 33">
+            <a:extLst>
+              <a:ext uri="{FF2B5EF4-FFF2-40B4-BE49-F238E27FC236}">
+                <a16:creationId xmlns:a16="http://schemas.microsoft.com/office/drawing/2014/main" id="{3B69095F-8C1C-AF49-9118-6794E7516E87}"/>
+              </a:ext>
+            </a:extLst>
+          </p:cNvPr>
+          <p:cNvSpPr/>
+          <p:nvPr/>
+        </p:nvSpPr>
+        <p:spPr>
+          <a:xfrm>
+            <a:off x="-26280" y="-212965"/>
+            <a:ext cx="2145575" cy="338554"/>
+          </a:xfrm>
+          <a:prstGeom prst="rect">
+            <a:avLst/>
+          </a:prstGeom>
+          <a:solidFill>
+            <a:srgbClr val="1B1A1B"/>
+          </a:solidFill>
+          <a:ln>
+            <a:noFill/>
+          </a:ln>
+        </p:spPr>
+        <p:style>
+          <a:lnRef idx="2">
+            <a:schemeClr val="accent1">
+              <a:shade val="50000"/>
+            </a:schemeClr>
+          </a:lnRef>
+          <a:fillRef idx="1">
+            <a:schemeClr val="accent1"/>
+          </a:fillRef>
+          <a:effectRef idx="0">
+            <a:schemeClr val="accent1"/>
+          </a:effectRef>
+          <a:fontRef idx="minor">
+            <a:schemeClr val="lt1"/>
+          </a:fontRef>
+        </p:style>
+        <p:txBody>
+          <a:bodyPr rtlCol="0" anchor="ctr"/>
+          <a:lstStyle/>
+          <a:p>
+            <a:pPr algn="ctr"/>
+            <a:endParaRPr lang="en-US"/>
+          </a:p>
+        </p:txBody>
+      </p:sp>
+      <p:sp>
+        <p:nvSpPr>
+          <p:cNvPr id="36" name="Rectangle 35">
+            <a:extLst>
+              <a:ext uri="{FF2B5EF4-FFF2-40B4-BE49-F238E27FC236}">
+                <a16:creationId xmlns:a16="http://schemas.microsoft.com/office/drawing/2014/main" id="{A75DC4CA-DC72-F543-BADD-E3DB7E9BA99D}"/>
+              </a:ext>
+            </a:extLst>
+          </p:cNvPr>
+          <p:cNvSpPr/>
+          <p:nvPr/>
+        </p:nvSpPr>
+        <p:spPr>
+          <a:xfrm>
+            <a:off x="11265099" y="121281"/>
+            <a:ext cx="2145575" cy="741959"/>
+          </a:xfrm>
+          <a:prstGeom prst="rect">
+            <a:avLst/>
+          </a:prstGeom>
+          <a:solidFill>
+            <a:srgbClr val="252423"/>
+          </a:solidFill>
+          <a:ln>
+            <a:noFill/>
+          </a:ln>
+        </p:spPr>
+        <p:style>
+          <a:lnRef idx="2">
+            <a:schemeClr val="accent1">
+              <a:shade val="50000"/>
+            </a:schemeClr>
+          </a:lnRef>
+          <a:fillRef idx="1">
+            <a:schemeClr val="accent1"/>
+          </a:fillRef>
+          <a:effectRef idx="0">
+            <a:schemeClr val="accent1"/>
+          </a:effectRef>
+          <a:fontRef idx="minor">
+            <a:schemeClr val="lt1"/>
+          </a:fontRef>
+        </p:style>
+        <p:txBody>
+          <a:bodyPr rtlCol="0" anchor="ctr"/>
+          <a:lstStyle/>
+          <a:p>
+            <a:pPr algn="ctr"/>
+            <a:endParaRPr lang="en-US"/>
+          </a:p>
+        </p:txBody>
+      </p:sp>
+      <p:sp>
+        <p:nvSpPr>
+          <p:cNvPr id="38" name="Rectangle 37">
+            <a:extLst>
+              <a:ext uri="{FF2B5EF4-FFF2-40B4-BE49-F238E27FC236}">
+                <a16:creationId xmlns:a16="http://schemas.microsoft.com/office/drawing/2014/main" id="{37FFCB2F-6966-B64E-B441-31012D92898B}"/>
+              </a:ext>
+            </a:extLst>
+          </p:cNvPr>
+          <p:cNvSpPr/>
+          <p:nvPr/>
+        </p:nvSpPr>
+        <p:spPr>
+          <a:xfrm>
+            <a:off x="11313693" y="-217273"/>
+            <a:ext cx="2145575" cy="338554"/>
+          </a:xfrm>
+          <a:prstGeom prst="rect">
+            <a:avLst/>
+          </a:prstGeom>
+          <a:solidFill>
+            <a:srgbClr val="1B1A1B"/>
+          </a:solidFill>
+          <a:ln>
+            <a:noFill/>
+          </a:ln>
+        </p:spPr>
+        <p:style>
+          <a:lnRef idx="2">
+            <a:schemeClr val="accent1">
+              <a:shade val="50000"/>
+            </a:schemeClr>
+          </a:lnRef>
+          <a:fillRef idx="1">
+            <a:schemeClr val="accent1"/>
+          </a:fillRef>
+          <a:effectRef idx="0">
+            <a:schemeClr val="accent1"/>
+          </a:effectRef>
+          <a:fontRef idx="minor">
+            <a:schemeClr val="lt1"/>
+          </a:fontRef>
+        </p:style>
+        <p:txBody>
+          <a:bodyPr rtlCol="0" anchor="ctr"/>
+          <a:lstStyle/>
+          <a:p>
+            <a:pPr algn="ctr"/>
+            <a:endParaRPr lang="en-US"/>
+          </a:p>
+        </p:txBody>
+      </p:sp>
+      <p:cxnSp>
+        <p:nvCxnSpPr>
+          <p:cNvPr id="11" name="직선 화살표 연결선 10"/>
+          <p:cNvCxnSpPr/>
+          <p:nvPr/>
+        </p:nvCxnSpPr>
+        <p:spPr>
+          <a:xfrm flipV="1">
+            <a:off x="10785565" y="283849"/>
+            <a:ext cx="526870" cy="234724"/>
+          </a:xfrm>
+          <a:prstGeom prst="straightConnector1">
+            <a:avLst/>
+          </a:prstGeom>
+          <a:ln w="38100">
+            <a:tailEnd type="triangle"/>
+          </a:ln>
+        </p:spPr>
+        <p:style>
+          <a:lnRef idx="3">
+            <a:schemeClr val="accent6"/>
+          </a:lnRef>
+          <a:fillRef idx="0">
+            <a:schemeClr val="accent6"/>
+          </a:fillRef>
+          <a:effectRef idx="2">
+            <a:schemeClr val="accent6"/>
+          </a:effectRef>
+          <a:fontRef idx="minor">
+            <a:schemeClr val="tx1"/>
+          </a:fontRef>
+        </p:style>
+      </p:cxnSp>
+      <p:sp>
+        <p:nvSpPr>
+          <p:cNvPr id="12" name="TextBox 11"/>
+          <p:cNvSpPr txBox="1"/>
+          <p:nvPr/>
+        </p:nvSpPr>
+        <p:spPr>
+          <a:xfrm>
+            <a:off x="10361518" y="488765"/>
+            <a:ext cx="1828800" cy="338554"/>
+          </a:xfrm>
+          <a:prstGeom prst="rect">
+            <a:avLst/>
+          </a:prstGeom>
+          <a:noFill/>
+        </p:spPr>
+        <p:txBody>
+          <a:bodyPr wrap="square" rtlCol="0">
+            <a:spAutoFit/>
+          </a:bodyPr>
+          <a:lstStyle/>
+          <a:p>
+            <a:r>
+              <a:rPr lang="en-US" altLang="ko-KR" sz="1600" dirty="0">
+                <a:solidFill>
+                  <a:schemeClr val="bg1"/>
+                </a:solidFill>
+              </a:rPr>
+              <a:t>About us!</a:t>
             </a:r>
             <a:endParaRPr lang="ko-KR" altLang="en-US" sz="1600" dirty="0">
               <a:solidFill>

--- a/sitemap.pptx
+++ b/sitemap.pptx
@@ -3555,7 +3555,7 @@
                   <a:schemeClr val="bg1"/>
                 </a:solidFill>
               </a:rPr>
-              <a:t>How remote working technologies “locked-in” to infrastructures</a:t>
+              <a:t>Infrastructure: how remote working technologies “locked-in”</a:t>
             </a:r>
             <a:endParaRPr lang="ko-KR" altLang="en-US" sz="1600" dirty="0">
               <a:solidFill>
@@ -3609,7 +3609,7 @@
         <p:spPr>
           <a:xfrm>
             <a:off x="6734381" y="3814654"/>
-            <a:ext cx="2952676" cy="830997"/>
+            <a:ext cx="2952676" cy="584775"/>
           </a:xfrm>
           <a:prstGeom prst="rect">
             <a:avLst/>
@@ -3628,7 +3628,7 @@
                   <a:schemeClr val="bg1"/>
                 </a:solidFill>
               </a:rPr>
-              <a:t>How the relevant social groups shaped remote working technologies</a:t>
+              <a:t>Features shaped by various social groups</a:t>
             </a:r>
             <a:endParaRPr lang="ko-KR" altLang="en-US" sz="1600" dirty="0"/>
           </a:p>

--- a/sitemap.pptx
+++ b/sitemap.pptx
@@ -241,7 +241,7 @@
           <a:p>
             <a:fld id="{A6E12817-7D15-49C3-A504-0A6BEDC86AFE}" type="datetimeFigureOut">
               <a:rPr lang="ko-KR" altLang="en-US" smtClean="0"/>
-              <a:t>2022. 5. 3.</a:t>
+              <a:t>2022-05-03</a:t>
             </a:fld>
             <a:endParaRPr lang="ko-KR" altLang="en-US"/>
           </a:p>
@@ -409,7 +409,7 @@
           <a:p>
             <a:fld id="{A6E12817-7D15-49C3-A504-0A6BEDC86AFE}" type="datetimeFigureOut">
               <a:rPr lang="ko-KR" altLang="en-US" smtClean="0"/>
-              <a:t>2022. 5. 3.</a:t>
+              <a:t>2022-05-03</a:t>
             </a:fld>
             <a:endParaRPr lang="ko-KR" altLang="en-US"/>
           </a:p>
@@ -587,7 +587,7 @@
           <a:p>
             <a:fld id="{A6E12817-7D15-49C3-A504-0A6BEDC86AFE}" type="datetimeFigureOut">
               <a:rPr lang="ko-KR" altLang="en-US" smtClean="0"/>
-              <a:t>2022. 5. 3.</a:t>
+              <a:t>2022-05-03</a:t>
             </a:fld>
             <a:endParaRPr lang="ko-KR" altLang="en-US"/>
           </a:p>
@@ -755,7 +755,7 @@
           <a:p>
             <a:fld id="{A6E12817-7D15-49C3-A504-0A6BEDC86AFE}" type="datetimeFigureOut">
               <a:rPr lang="ko-KR" altLang="en-US" smtClean="0"/>
-              <a:t>2022. 5. 3.</a:t>
+              <a:t>2022-05-03</a:t>
             </a:fld>
             <a:endParaRPr lang="ko-KR" altLang="en-US"/>
           </a:p>
@@ -1000,7 +1000,7 @@
           <a:p>
             <a:fld id="{A6E12817-7D15-49C3-A504-0A6BEDC86AFE}" type="datetimeFigureOut">
               <a:rPr lang="ko-KR" altLang="en-US" smtClean="0"/>
-              <a:t>2022. 5. 3.</a:t>
+              <a:t>2022-05-03</a:t>
             </a:fld>
             <a:endParaRPr lang="ko-KR" altLang="en-US"/>
           </a:p>
@@ -1229,7 +1229,7 @@
           <a:p>
             <a:fld id="{A6E12817-7D15-49C3-A504-0A6BEDC86AFE}" type="datetimeFigureOut">
               <a:rPr lang="ko-KR" altLang="en-US" smtClean="0"/>
-              <a:t>2022. 5. 3.</a:t>
+              <a:t>2022-05-03</a:t>
             </a:fld>
             <a:endParaRPr lang="ko-KR" altLang="en-US"/>
           </a:p>
@@ -1593,7 +1593,7 @@
           <a:p>
             <a:fld id="{A6E12817-7D15-49C3-A504-0A6BEDC86AFE}" type="datetimeFigureOut">
               <a:rPr lang="ko-KR" altLang="en-US" smtClean="0"/>
-              <a:t>2022. 5. 3.</a:t>
+              <a:t>2022-05-03</a:t>
             </a:fld>
             <a:endParaRPr lang="ko-KR" altLang="en-US"/>
           </a:p>
@@ -1710,7 +1710,7 @@
           <a:p>
             <a:fld id="{A6E12817-7D15-49C3-A504-0A6BEDC86AFE}" type="datetimeFigureOut">
               <a:rPr lang="ko-KR" altLang="en-US" smtClean="0"/>
-              <a:t>2022. 5. 3.</a:t>
+              <a:t>2022-05-03</a:t>
             </a:fld>
             <a:endParaRPr lang="ko-KR" altLang="en-US"/>
           </a:p>
@@ -1805,7 +1805,7 @@
           <a:p>
             <a:fld id="{A6E12817-7D15-49C3-A504-0A6BEDC86AFE}" type="datetimeFigureOut">
               <a:rPr lang="ko-KR" altLang="en-US" smtClean="0"/>
-              <a:t>2022. 5. 3.</a:t>
+              <a:t>2022-05-03</a:t>
             </a:fld>
             <a:endParaRPr lang="ko-KR" altLang="en-US"/>
           </a:p>
@@ -2080,7 +2080,7 @@
           <a:p>
             <a:fld id="{A6E12817-7D15-49C3-A504-0A6BEDC86AFE}" type="datetimeFigureOut">
               <a:rPr lang="ko-KR" altLang="en-US" smtClean="0"/>
-              <a:t>2022. 5. 3.</a:t>
+              <a:t>2022-05-03</a:t>
             </a:fld>
             <a:endParaRPr lang="ko-KR" altLang="en-US"/>
           </a:p>
@@ -2332,7 +2332,7 @@
           <a:p>
             <a:fld id="{A6E12817-7D15-49C3-A504-0A6BEDC86AFE}" type="datetimeFigureOut">
               <a:rPr lang="ko-KR" altLang="en-US" smtClean="0"/>
-              <a:t>2022. 5. 3.</a:t>
+              <a:t>2022-05-03</a:t>
             </a:fld>
             <a:endParaRPr lang="ko-KR" altLang="en-US"/>
           </a:p>
@@ -2543,7 +2543,7 @@
           <a:p>
             <a:fld id="{A6E12817-7D15-49C3-A504-0A6BEDC86AFE}" type="datetimeFigureOut">
               <a:rPr lang="ko-KR" altLang="en-US" smtClean="0"/>
-              <a:t>2022. 5. 3.</a:t>
+              <a:t>2022-05-03</a:t>
             </a:fld>
             <a:endParaRPr lang="ko-KR" altLang="en-US"/>
           </a:p>
@@ -3421,79 +3421,6 @@
       </p:sp>
       <p:cxnSp>
         <p:nvCxnSpPr>
-          <p:cNvPr id="35" name="직선 화살표 연결선 34"/>
-          <p:cNvCxnSpPr>
-            <a:cxnSpLocks/>
-          </p:cNvCxnSpPr>
-          <p:nvPr/>
-        </p:nvCxnSpPr>
-        <p:spPr>
-          <a:xfrm flipH="1">
-            <a:off x="5344783" y="2550563"/>
-            <a:ext cx="283954" cy="3471771"/>
-          </a:xfrm>
-          <a:prstGeom prst="straightConnector1">
-            <a:avLst/>
-          </a:prstGeom>
-          <a:ln w="38100">
-            <a:tailEnd type="triangle"/>
-          </a:ln>
-        </p:spPr>
-        <p:style>
-          <a:lnRef idx="3">
-            <a:schemeClr val="accent6"/>
-          </a:lnRef>
-          <a:fillRef idx="0">
-            <a:schemeClr val="accent6"/>
-          </a:fillRef>
-          <a:effectRef idx="2">
-            <a:schemeClr val="accent6"/>
-          </a:effectRef>
-          <a:fontRef idx="minor">
-            <a:schemeClr val="tx1"/>
-          </a:fontRef>
-        </p:style>
-      </p:cxnSp>
-      <p:sp>
-        <p:nvSpPr>
-          <p:cNvPr id="37" name="TextBox 36"/>
-          <p:cNvSpPr txBox="1"/>
-          <p:nvPr/>
-        </p:nvSpPr>
-        <p:spPr>
-          <a:xfrm>
-            <a:off x="4832717" y="1749352"/>
-            <a:ext cx="2981051" cy="830997"/>
-          </a:xfrm>
-          <a:prstGeom prst="rect">
-            <a:avLst/>
-          </a:prstGeom>
-          <a:noFill/>
-        </p:spPr>
-        <p:txBody>
-          <a:bodyPr wrap="square" rtlCol="0">
-            <a:spAutoFit/>
-          </a:bodyPr>
-          <a:lstStyle/>
-          <a:p>
-            <a:r>
-              <a:rPr lang="en-US" altLang="ko-KR" sz="1600" dirty="0">
-                <a:solidFill>
-                  <a:schemeClr val="bg1"/>
-                </a:solidFill>
-              </a:rPr>
-              <a:t>Issues of intellectual property in remote working technologies</a:t>
-            </a:r>
-            <a:endParaRPr lang="ko-KR" altLang="en-US" sz="1600" dirty="0">
-              <a:solidFill>
-                <a:schemeClr val="bg1"/>
-              </a:solidFill>
-            </a:endParaRPr>
-          </a:p>
-        </p:txBody>
-      </p:sp>
-      <p:cxnSp>
-        <p:nvCxnSpPr>
           <p:cNvPr id="42" name="직선 화살표 연결선 41"/>
           <p:cNvCxnSpPr>
             <a:cxnSpLocks/>
@@ -4220,6 +4147,54 @@
                 <a:schemeClr val="bg1"/>
               </a:solidFill>
             </a:endParaRPr>
+          </a:p>
+        </p:txBody>
+      </p:sp>
+      <p:sp>
+        <p:nvSpPr>
+          <p:cNvPr id="8" name="직사각형 7"/>
+          <p:cNvSpPr/>
+          <p:nvPr/>
+        </p:nvSpPr>
+        <p:spPr>
+          <a:xfrm>
+            <a:off x="5029200" y="6501541"/>
+            <a:ext cx="714134" cy="326571"/>
+          </a:xfrm>
+          <a:prstGeom prst="rect">
+            <a:avLst/>
+          </a:prstGeom>
+          <a:solidFill>
+            <a:srgbClr val="1A1A1A"/>
+          </a:solidFill>
+          <a:ln>
+            <a:solidFill>
+              <a:srgbClr val="1A1A1A"/>
+            </a:solidFill>
+          </a:ln>
+        </p:spPr>
+        <p:style>
+          <a:lnRef idx="2">
+            <a:schemeClr val="accent1">
+              <a:shade val="50000"/>
+            </a:schemeClr>
+          </a:lnRef>
+          <a:fillRef idx="1">
+            <a:schemeClr val="accent1"/>
+          </a:fillRef>
+          <a:effectRef idx="0">
+            <a:schemeClr val="accent1"/>
+          </a:effectRef>
+          <a:fontRef idx="minor">
+            <a:schemeClr val="lt1"/>
+          </a:fontRef>
+        </p:style>
+        <p:txBody>
+          <a:bodyPr rtlCol="0" anchor="ctr"/>
+          <a:lstStyle/>
+          <a:p>
+            <a:pPr algn="ctr"/>
+            <a:endParaRPr lang="ko-KR" altLang="en-US"/>
           </a:p>
         </p:txBody>
       </p:sp>
